--- a/08_01-NextSteps.pptx
+++ b/08_01-NextSteps.pptx
@@ -369,7 +369,7 @@
           <a:p>
             <a:fld id="{02243223-8F5B-47D4-B6E3-70CECE8A9622}" type="datetimeFigureOut">
               <a:rPr lang="en-US" smtClean="0"/>
-              <a:t>6/4/2018</a:t>
+              <a:t>6/7/2018</a:t>
             </a:fld>
             <a:endParaRPr lang="en-US"/>
           </a:p>
@@ -2956,7 +2956,7 @@
               <a:pPr>
                 <a:defRPr/>
               </a:pPr>
-              <a:t>6/4/2018</a:t>
+              <a:t>6/7/2018</a:t>
             </a:fld>
             <a:endParaRPr lang="en-US" altLang="en-US"/>
           </a:p>
@@ -10847,8 +10847,36 @@
           <a:p>
             <a:r>
               <a:rPr lang="en-US" dirty="0"/>
-              <a:t>Available in exercise files download or GitHub repository</a:t>
+              <a:t>Available in exercise files download or </a:t>
             </a:r>
+            <a:r>
+              <a:rPr lang="en-US"/>
+              <a:t>GitHub repository:</a:t>
+            </a:r>
+            <a:br>
+              <a:rPr lang="en-US" dirty="0"/>
+            </a:br>
+            <a:r>
+              <a:rPr lang="en-US" dirty="0"/>
+              <a:t>	</a:t>
+            </a:r>
+            <a:r>
+              <a:rPr lang="en-US" sz="2800" dirty="0"/>
+              <a:t>github.com/</a:t>
+            </a:r>
+            <a:r>
+              <a:rPr lang="en-US" sz="2800" dirty="0" err="1"/>
+              <a:t>jchadwick</a:t>
+            </a:r>
+            <a:r>
+              <a:rPr lang="en-US" sz="2800" dirty="0"/>
+              <a:t>/</a:t>
+            </a:r>
+            <a:r>
+              <a:rPr lang="en-US" sz="2800" dirty="0" err="1"/>
+              <a:t>ProductiveAspNetMvc</a:t>
+            </a:r>
+            <a:endParaRPr lang="en-US" sz="2800" dirty="0"/>
           </a:p>
           <a:p>
             <a:r>
@@ -11638,7 +11666,7 @@
         <a:effectLst/>
         <a:extLst>
           <a:ext uri="{AF507438-7753-43e0-B8FC-AC1667EBCBE1}">
-            <a14:hiddenEffects xmlns="" xmlns:a14="http://schemas.microsoft.com/office/drawing/2010/main">
+            <a14:hiddenEffects xmlns:a14="http://schemas.microsoft.com/office/drawing/2010/main" xmlns="">
               <a:effectLst>
                 <a:outerShdw blurRad="63500" dist="38099" dir="2700000" algn="ctr" rotWithShape="0">
                   <a:schemeClr val="bg2">
@@ -11718,7 +11746,7 @@
         <a:effectLst/>
         <a:extLst>
           <a:ext uri="{AF507438-7753-43e0-B8FC-AC1667EBCBE1}">
-            <a14:hiddenEffects xmlns="" xmlns:a14="http://schemas.microsoft.com/office/drawing/2010/main">
+            <a14:hiddenEffects xmlns:a14="http://schemas.microsoft.com/office/drawing/2010/main" xmlns="">
               <a:effectLst>
                 <a:outerShdw blurRad="63500" dist="38099" dir="2700000" algn="ctr" rotWithShape="0">
                   <a:schemeClr val="bg2">
@@ -12392,7 +12420,7 @@
         <a:effectLst/>
         <a:extLst>
           <a:ext uri="{AF507438-7753-43e0-B8FC-AC1667EBCBE1}">
-            <a14:hiddenEffects xmlns="" xmlns:a14="http://schemas.microsoft.com/office/drawing/2010/main">
+            <a14:hiddenEffects xmlns:a14="http://schemas.microsoft.com/office/drawing/2010/main" xmlns="">
               <a:effectLst>
                 <a:outerShdw blurRad="63500" dist="38099" dir="2700000" algn="ctr" rotWithShape="0">
                   <a:schemeClr val="bg2">
@@ -12472,7 +12500,7 @@
         <a:effectLst/>
         <a:extLst>
           <a:ext uri="{AF507438-7753-43e0-B8FC-AC1667EBCBE1}">
-            <a14:hiddenEffects xmlns="" xmlns:a14="http://schemas.microsoft.com/office/drawing/2010/main">
+            <a14:hiddenEffects xmlns:a14="http://schemas.microsoft.com/office/drawing/2010/main" xmlns="">
               <a:effectLst>
                 <a:outerShdw blurRad="63500" dist="38099" dir="2700000" algn="ctr" rotWithShape="0">
                   <a:schemeClr val="bg2">
@@ -12821,7 +12849,7 @@
         <a:effectLst/>
         <a:extLst>
           <a:ext uri="{AF507438-7753-43e0-B8FC-AC1667EBCBE1}">
-            <a14:hiddenEffects xmlns="" xmlns:a14="http://schemas.microsoft.com/office/drawing/2010/main">
+            <a14:hiddenEffects xmlns:a14="http://schemas.microsoft.com/office/drawing/2010/main" xmlns="">
               <a:effectLst>
                 <a:outerShdw blurRad="63500" dist="38099" dir="2700000" algn="ctr" rotWithShape="0">
                   <a:schemeClr val="bg2">
@@ -12901,7 +12929,7 @@
         <a:effectLst/>
         <a:extLst>
           <a:ext uri="{AF507438-7753-43e0-B8FC-AC1667EBCBE1}">
-            <a14:hiddenEffects xmlns="" xmlns:a14="http://schemas.microsoft.com/office/drawing/2010/main">
+            <a14:hiddenEffects xmlns:a14="http://schemas.microsoft.com/office/drawing/2010/main" xmlns="">
               <a:effectLst>
                 <a:outerShdw blurRad="63500" dist="38099" dir="2700000" algn="ctr" rotWithShape="0">
                   <a:schemeClr val="bg2">
@@ -13250,7 +13278,7 @@
         <a:effectLst/>
         <a:extLst>
           <a:ext uri="{AF507438-7753-43e0-B8FC-AC1667EBCBE1}">
-            <a14:hiddenEffects xmlns="" xmlns:a14="http://schemas.microsoft.com/office/drawing/2010/main">
+            <a14:hiddenEffects xmlns:a14="http://schemas.microsoft.com/office/drawing/2010/main" xmlns="">
               <a:effectLst>
                 <a:outerShdw blurRad="63500" dist="38099" dir="2700000" algn="ctr" rotWithShape="0">
                   <a:schemeClr val="bg2">
@@ -13330,7 +13358,7 @@
         <a:effectLst/>
         <a:extLst>
           <a:ext uri="{AF507438-7753-43e0-B8FC-AC1667EBCBE1}">
-            <a14:hiddenEffects xmlns="" xmlns:a14="http://schemas.microsoft.com/office/drawing/2010/main">
+            <a14:hiddenEffects xmlns:a14="http://schemas.microsoft.com/office/drawing/2010/main" xmlns="">
               <a:effectLst>
                 <a:outerShdw blurRad="63500" dist="38099" dir="2700000" algn="ctr" rotWithShape="0">
                   <a:schemeClr val="bg2">
@@ -13679,7 +13707,7 @@
         <a:effectLst/>
         <a:extLst>
           <a:ext uri="{AF507438-7753-43e0-B8FC-AC1667EBCBE1}">
-            <a14:hiddenEffects xmlns="" xmlns:a14="http://schemas.microsoft.com/office/drawing/2010/main">
+            <a14:hiddenEffects xmlns:a14="http://schemas.microsoft.com/office/drawing/2010/main" xmlns="">
               <a:effectLst>
                 <a:outerShdw blurRad="63500" dist="38099" dir="2700000" algn="ctr" rotWithShape="0">
                   <a:schemeClr val="bg2">
@@ -13759,7 +13787,7 @@
         <a:effectLst/>
         <a:extLst>
           <a:ext uri="{AF507438-7753-43e0-B8FC-AC1667EBCBE1}">
-            <a14:hiddenEffects xmlns="" xmlns:a14="http://schemas.microsoft.com/office/drawing/2010/main">
+            <a14:hiddenEffects xmlns:a14="http://schemas.microsoft.com/office/drawing/2010/main" xmlns="">
               <a:effectLst>
                 <a:outerShdw blurRad="63500" dist="38099" dir="2700000" algn="ctr" rotWithShape="0">
                   <a:schemeClr val="bg2">
@@ -14108,7 +14136,7 @@
         <a:effectLst/>
         <a:extLst>
           <a:ext uri="{AF507438-7753-43e0-B8FC-AC1667EBCBE1}">
-            <a14:hiddenEffects xmlns="" xmlns:a14="http://schemas.microsoft.com/office/drawing/2010/main">
+            <a14:hiddenEffects xmlns:a14="http://schemas.microsoft.com/office/drawing/2010/main" xmlns="">
               <a:effectLst>
                 <a:outerShdw blurRad="63500" dist="38099" dir="2700000" algn="ctr" rotWithShape="0">
                   <a:schemeClr val="bg2">
@@ -14188,7 +14216,7 @@
         <a:effectLst/>
         <a:extLst>
           <a:ext uri="{AF507438-7753-43e0-B8FC-AC1667EBCBE1}">
-            <a14:hiddenEffects xmlns="" xmlns:a14="http://schemas.microsoft.com/office/drawing/2010/main">
+            <a14:hiddenEffects xmlns:a14="http://schemas.microsoft.com/office/drawing/2010/main" xmlns="">
               <a:effectLst>
                 <a:outerShdw blurRad="63500" dist="38099" dir="2700000" algn="ctr" rotWithShape="0">
                   <a:schemeClr val="bg2">
